--- a/examples/expected-table-example.pptx
+++ b/examples/expected-table-example.pptx
@@ -1600,7 +1600,7 @@
         </p:nvGraphicFramePr>
         <p:xfrm>
           <a:off x="2522160" y="3432960"/>
-          <a:ext cx="5075280" cy="719280"/>
+          <a:ext cx="5075280" cy="1438920"/>
         </p:xfrm>
         <a:graphic>
           <a:graphicData uri="http://schemas.openxmlformats.org/drawingml/2006/table">
